--- a/slides/42-t2trg-tsn-wot-td.pptx
+++ b/slides/42-t2trg-tsn-wot-td.pptx
@@ -5,7 +5,7 @@
     <p:sldMasterId id="2147483648" r:id="rId1"/>
   </p:sldMasterIdLst>
   <p:notesMasterIdLst>
-    <p:notesMasterId r:id="rId20"/>
+    <p:notesMasterId r:id="rId21"/>
   </p:notesMasterIdLst>
   <p:sldIdLst>
     <p:sldId id="256" r:id="rId2"/>
@@ -23,9 +23,10 @@
     <p:sldId id="264" r:id="rId14"/>
     <p:sldId id="269" r:id="rId15"/>
     <p:sldId id="276" r:id="rId16"/>
-    <p:sldId id="268" r:id="rId17"/>
-    <p:sldId id="270" r:id="rId18"/>
-    <p:sldId id="267" r:id="rId19"/>
+    <p:sldId id="277" r:id="rId17"/>
+    <p:sldId id="268" r:id="rId18"/>
+    <p:sldId id="270" r:id="rId19"/>
+    <p:sldId id="267" r:id="rId20"/>
   </p:sldIdLst>
   <p:sldSz cx="12192000" cy="6858000"/>
   <p:notesSz cx="6858000" cy="9144000"/>
@@ -1138,6 +1139,61 @@
         </a:p>
       </dgm:t>
     </dgm:pt>
+    <dgm:pt modelId="{8B61FF8F-312C-4FE7-AE79-889FFED002B0}">
+      <dgm:prSet phldrT="[Text]"/>
+      <dgm:spPr/>
+      <dgm:t>
+        <a:bodyPr/>
+        <a:lstStyle/>
+        <a:p>
+          <a:r>
+            <a:rPr lang="de-DE" dirty="0" smtClean="0"/>
+            <a:t>.</a:t>
+          </a:r>
+          <a:r>
+            <a:rPr lang="de-DE" dirty="0" smtClean="0"/>
+            <a:t>1Qca</a:t>
+          </a:r>
+          <a:endParaRPr lang="en-US" dirty="0"/>
+        </a:p>
+      </dgm:t>
+    </dgm:pt>
+    <dgm:pt modelId="{472289D5-9079-41DC-A236-BBD09BC5BFFB}" type="parTrans" cxnId="{D6DED3BF-ABC4-442C-BFAD-00FC76D7C44D}">
+      <dgm:prSet/>
+      <dgm:spPr/>
+      <dgm:t>
+        <a:bodyPr/>
+        <a:lstStyle/>
+        <a:p>
+          <a:endParaRPr lang="en-US"/>
+        </a:p>
+      </dgm:t>
+    </dgm:pt>
+    <dgm:pt modelId="{231F30A2-0778-418E-BB9A-48C2E03E7E5A}" type="sibTrans" cxnId="{D6DED3BF-ABC4-442C-BFAD-00FC76D7C44D}">
+      <dgm:prSet custT="1"/>
+      <dgm:spPr>
+        <a:noFill/>
+      </dgm:spPr>
+      <dgm:t>
+        <a:bodyPr/>
+        <a:lstStyle/>
+        <a:p>
+          <a:r>
+            <a:rPr lang="de-DE" sz="2200" dirty="0" smtClean="0">
+              <a:solidFill>
+                <a:schemeClr val="tx1"/>
+              </a:solidFill>
+            </a:rPr>
+            <a:t>.1Qdj</a:t>
+          </a:r>
+          <a:endParaRPr lang="en-US" sz="2200" dirty="0">
+            <a:solidFill>
+              <a:schemeClr val="tx1"/>
+            </a:solidFill>
+          </a:endParaRPr>
+        </a:p>
+      </dgm:t>
+    </dgm:pt>
     <dgm:pt modelId="{7403746D-334F-4608-A15D-23EC4298B256}" type="pres">
       <dgm:prSet presAssocID="{2AF6A4DA-209F-4E6A-8559-E15871977999}" presName="Name0" presStyleCnt="0">
         <dgm:presLayoutVars>
@@ -1161,7 +1217,7 @@
       <dgm:spPr/>
     </dgm:pt>
     <dgm:pt modelId="{386C08A0-E6FA-4EE6-A46D-434F37295FAE}" type="pres">
-      <dgm:prSet presAssocID="{9089CE66-7242-48A8-9948-E82A6761F215}" presName="Parent1" presStyleLbl="node1" presStyleIdx="0" presStyleCnt="6">
+      <dgm:prSet presAssocID="{9089CE66-7242-48A8-9948-E82A6761F215}" presName="Parent1" presStyleLbl="node1" presStyleIdx="0" presStyleCnt="8">
         <dgm:presLayoutVars>
           <dgm:chMax val="1"/>
           <dgm:chPref val="1"/>
@@ -1178,7 +1234,7 @@
       </dgm:t>
     </dgm:pt>
     <dgm:pt modelId="{F9FCB212-0739-4959-9A63-B6CA8286CC18}" type="pres">
-      <dgm:prSet presAssocID="{9089CE66-7242-48A8-9948-E82A6761F215}" presName="Childtext1" presStyleLbl="revTx" presStyleIdx="0" presStyleCnt="3">
+      <dgm:prSet presAssocID="{9089CE66-7242-48A8-9948-E82A6761F215}" presName="Childtext1" presStyleLbl="revTx" presStyleIdx="0" presStyleCnt="4">
         <dgm:presLayoutVars>
           <dgm:chMax val="0"/>
           <dgm:chPref val="0"/>
@@ -1203,7 +1259,7 @@
       <dgm:spPr/>
     </dgm:pt>
     <dgm:pt modelId="{4B89A180-4C25-45B2-8398-277E7B016717}" type="pres">
-      <dgm:prSet presAssocID="{7265FBA1-C7C6-42F1-BB80-AE22CB936032}" presName="Accent1Text" presStyleLbl="node1" presStyleIdx="1" presStyleCnt="6"/>
+      <dgm:prSet presAssocID="{7265FBA1-C7C6-42F1-BB80-AE22CB936032}" presName="Accent1Text" presStyleLbl="node1" presStyleIdx="1" presStyleCnt="8"/>
       <dgm:spPr/>
       <dgm:t>
         <a:bodyPr/>
@@ -1222,7 +1278,7 @@
       <dgm:spPr/>
     </dgm:pt>
     <dgm:pt modelId="{3FA1B23E-B752-484F-AAAD-E0F5B2F46296}" type="pres">
-      <dgm:prSet presAssocID="{DFDB9E43-E6A9-442E-8204-B967D1448249}" presName="Parent1" presStyleLbl="node1" presStyleIdx="2" presStyleCnt="6">
+      <dgm:prSet presAssocID="{DFDB9E43-E6A9-442E-8204-B967D1448249}" presName="Parent1" presStyleLbl="node1" presStyleIdx="2" presStyleCnt="8">
         <dgm:presLayoutVars>
           <dgm:chMax val="1"/>
           <dgm:chPref val="1"/>
@@ -1239,7 +1295,7 @@
       </dgm:t>
     </dgm:pt>
     <dgm:pt modelId="{046B2AB7-661B-4272-ABC8-7963BB4094AC}" type="pres">
-      <dgm:prSet presAssocID="{DFDB9E43-E6A9-442E-8204-B967D1448249}" presName="Childtext1" presStyleLbl="revTx" presStyleIdx="1" presStyleCnt="3" custScaleX="69683">
+      <dgm:prSet presAssocID="{DFDB9E43-E6A9-442E-8204-B967D1448249}" presName="Childtext1" presStyleLbl="revTx" presStyleIdx="1" presStyleCnt="4" custScaleX="69683">
         <dgm:presLayoutVars>
           <dgm:chMax val="0"/>
           <dgm:chPref val="0"/>
@@ -1264,7 +1320,7 @@
       <dgm:spPr/>
     </dgm:pt>
     <dgm:pt modelId="{2E169A30-83DF-4E71-A8D5-8EE83229781F}" type="pres">
-      <dgm:prSet presAssocID="{5FD9B19E-FA5E-4FEA-8B38-38632117864E}" presName="Accent1Text" presStyleLbl="node1" presStyleIdx="3" presStyleCnt="6"/>
+      <dgm:prSet presAssocID="{5FD9B19E-FA5E-4FEA-8B38-38632117864E}" presName="Accent1Text" presStyleLbl="node1" presStyleIdx="3" presStyleCnt="8"/>
       <dgm:spPr/>
       <dgm:t>
         <a:bodyPr/>
@@ -1283,7 +1339,7 @@
       <dgm:spPr/>
     </dgm:pt>
     <dgm:pt modelId="{B15639DF-DBB0-49DF-B222-48BD809768F0}" type="pres">
-      <dgm:prSet presAssocID="{20908729-AF82-4B84-832B-EB4BF4056E16}" presName="Parent1" presStyleLbl="node1" presStyleIdx="4" presStyleCnt="6">
+      <dgm:prSet presAssocID="{20908729-AF82-4B84-832B-EB4BF4056E16}" presName="Parent1" presStyleLbl="node1" presStyleIdx="4" presStyleCnt="8">
         <dgm:presLayoutVars>
           <dgm:chMax val="1"/>
           <dgm:chPref val="1"/>
@@ -1300,7 +1356,7 @@
       </dgm:t>
     </dgm:pt>
     <dgm:pt modelId="{E0592DC3-92DC-49C8-A308-8C65CD3AADF2}" type="pres">
-      <dgm:prSet presAssocID="{20908729-AF82-4B84-832B-EB4BF4056E16}" presName="Childtext1" presStyleLbl="revTx" presStyleIdx="2" presStyleCnt="3">
+      <dgm:prSet presAssocID="{20908729-AF82-4B84-832B-EB4BF4056E16}" presName="Childtext1" presStyleLbl="revTx" presStyleIdx="2" presStyleCnt="4">
         <dgm:presLayoutVars>
           <dgm:chMax val="0"/>
           <dgm:chPref val="0"/>
@@ -1325,7 +1381,61 @@
       <dgm:spPr/>
     </dgm:pt>
     <dgm:pt modelId="{D941E3B5-77F2-414F-AE02-39661ADF85BC}" type="pres">
-      <dgm:prSet presAssocID="{AA80C9A5-AA4B-4CC9-BC1F-E36E3C61A768}" presName="Accent1Text" presStyleLbl="node1" presStyleIdx="5" presStyleCnt="6"/>
+      <dgm:prSet presAssocID="{AA80C9A5-AA4B-4CC9-BC1F-E36E3C61A768}" presName="Accent1Text" presStyleLbl="node1" presStyleIdx="5" presStyleCnt="8"/>
+      <dgm:spPr/>
+      <dgm:t>
+        <a:bodyPr/>
+        <a:lstStyle/>
+        <a:p>
+          <a:endParaRPr lang="en-US"/>
+        </a:p>
+      </dgm:t>
+    </dgm:pt>
+    <dgm:pt modelId="{82F88474-101F-4659-BC0D-1AAA0BB28A43}" type="pres">
+      <dgm:prSet presAssocID="{AA80C9A5-AA4B-4CC9-BC1F-E36E3C61A768}" presName="spaceBetweenRectangles" presStyleCnt="0"/>
+      <dgm:spPr/>
+    </dgm:pt>
+    <dgm:pt modelId="{2492E226-6549-4B98-908C-8FEBA09C7BD3}" type="pres">
+      <dgm:prSet presAssocID="{8B61FF8F-312C-4FE7-AE79-889FFED002B0}" presName="composite" presStyleCnt="0"/>
+      <dgm:spPr/>
+    </dgm:pt>
+    <dgm:pt modelId="{6FADFD52-6210-4FFF-A864-9703BA8E7DF2}" type="pres">
+      <dgm:prSet presAssocID="{8B61FF8F-312C-4FE7-AE79-889FFED002B0}" presName="Parent1" presStyleLbl="node1" presStyleIdx="6" presStyleCnt="8">
+        <dgm:presLayoutVars>
+          <dgm:chMax val="1"/>
+          <dgm:chPref val="1"/>
+          <dgm:bulletEnabled val="1"/>
+        </dgm:presLayoutVars>
+      </dgm:prSet>
+      <dgm:spPr/>
+      <dgm:t>
+        <a:bodyPr/>
+        <a:lstStyle/>
+        <a:p>
+          <a:endParaRPr lang="en-US"/>
+        </a:p>
+      </dgm:t>
+    </dgm:pt>
+    <dgm:pt modelId="{65A0B4A1-2027-49A2-ABA0-4C1EBC25A372}" type="pres">
+      <dgm:prSet presAssocID="{8B61FF8F-312C-4FE7-AE79-889FFED002B0}" presName="Childtext1" presStyleLbl="revTx" presStyleIdx="3" presStyleCnt="4">
+        <dgm:presLayoutVars>
+          <dgm:chMax val="0"/>
+          <dgm:chPref val="0"/>
+          <dgm:bulletEnabled val="1"/>
+        </dgm:presLayoutVars>
+      </dgm:prSet>
+      <dgm:spPr/>
+    </dgm:pt>
+    <dgm:pt modelId="{BC7A3B24-A710-4CCB-A8E8-5B54BD2E6C61}" type="pres">
+      <dgm:prSet presAssocID="{8B61FF8F-312C-4FE7-AE79-889FFED002B0}" presName="BalanceSpacing" presStyleCnt="0"/>
+      <dgm:spPr/>
+    </dgm:pt>
+    <dgm:pt modelId="{45A27561-6F2B-4736-BF1E-C56E5B749401}" type="pres">
+      <dgm:prSet presAssocID="{8B61FF8F-312C-4FE7-AE79-889FFED002B0}" presName="BalanceSpacing1" presStyleCnt="0"/>
+      <dgm:spPr/>
+    </dgm:pt>
+    <dgm:pt modelId="{25076156-C805-440B-A0AD-E6B93735CA42}" type="pres">
+      <dgm:prSet presAssocID="{231F30A2-0778-418E-BB9A-48C2E03E7E5A}" presName="Accent1Text" presStyleLbl="node1" presStyleIdx="7" presStyleCnt="8"/>
       <dgm:spPr/>
       <dgm:t>
         <a:bodyPr/>
@@ -1337,21 +1447,24 @@
     </dgm:pt>
   </dgm:ptLst>
   <dgm:cxnLst>
+    <dgm:cxn modelId="{6A929B1A-F8F0-48EB-B44B-9787BC0A34BD}" type="presOf" srcId="{467B5218-7DCE-4150-A016-502981EEF7D6}" destId="{F9FCB212-0739-4959-9A63-B6CA8286CC18}" srcOrd="0" destOrd="0" presId="urn:microsoft.com/office/officeart/2008/layout/AlternatingHexagons"/>
+    <dgm:cxn modelId="{2888913A-F523-4ADF-9F0F-E8D2974390A8}" type="presOf" srcId="{2AF6A4DA-209F-4E6A-8559-E15871977999}" destId="{7403746D-334F-4608-A15D-23EC4298B256}" srcOrd="0" destOrd="0" presId="urn:microsoft.com/office/officeart/2008/layout/AlternatingHexagons"/>
+    <dgm:cxn modelId="{D1AF8181-B89B-4F1A-BC39-8E0D6D21820B}" type="presOf" srcId="{DFDB9E43-E6A9-442E-8204-B967D1448249}" destId="{3FA1B23E-B752-484F-AAAD-E0F5B2F46296}" srcOrd="0" destOrd="0" presId="urn:microsoft.com/office/officeart/2008/layout/AlternatingHexagons"/>
+    <dgm:cxn modelId="{AFCEDE93-6BC1-4454-8F43-5D64D03607CA}" srcId="{2AF6A4DA-209F-4E6A-8559-E15871977999}" destId="{DFDB9E43-E6A9-442E-8204-B967D1448249}" srcOrd="1" destOrd="0" parTransId="{BF924CFC-B023-4DB1-B893-75AEEBC4AAD6}" sibTransId="{5FD9B19E-FA5E-4FEA-8B38-38632117864E}"/>
+    <dgm:cxn modelId="{5BC5873C-F125-48FD-ACE9-A9A07C0248CB}" type="presOf" srcId="{8B61FF8F-312C-4FE7-AE79-889FFED002B0}" destId="{6FADFD52-6210-4FFF-A864-9703BA8E7DF2}" srcOrd="0" destOrd="0" presId="urn:microsoft.com/office/officeart/2008/layout/AlternatingHexagons"/>
+    <dgm:cxn modelId="{6969AA95-7087-4B3B-95AC-D72E8A075489}" type="presOf" srcId="{03E8319D-D19D-4C90-A480-527766996150}" destId="{E0592DC3-92DC-49C8-A308-8C65CD3AADF2}" srcOrd="0" destOrd="0" presId="urn:microsoft.com/office/officeart/2008/layout/AlternatingHexagons"/>
+    <dgm:cxn modelId="{40BB99B0-C740-4927-B135-422712058D5C}" srcId="{2AF6A4DA-209F-4E6A-8559-E15871977999}" destId="{9089CE66-7242-48A8-9948-E82A6761F215}" srcOrd="0" destOrd="0" parTransId="{7576CE3B-B708-4B0C-95BF-FE360D15CC6F}" sibTransId="{7265FBA1-C7C6-42F1-BB80-AE22CB936032}"/>
+    <dgm:cxn modelId="{EC40D305-5E0A-4414-ADDB-498C976F748E}" type="presOf" srcId="{5FD9B19E-FA5E-4FEA-8B38-38632117864E}" destId="{2E169A30-83DF-4E71-A8D5-8EE83229781F}" srcOrd="0" destOrd="0" presId="urn:microsoft.com/office/officeart/2008/layout/AlternatingHexagons"/>
+    <dgm:cxn modelId="{2662D4C6-DF24-4C98-A9F7-9110080CC23D}" type="presOf" srcId="{231F30A2-0778-418E-BB9A-48C2E03E7E5A}" destId="{25076156-C805-440B-A0AD-E6B93735CA42}" srcOrd="0" destOrd="0" presId="urn:microsoft.com/office/officeart/2008/layout/AlternatingHexagons"/>
+    <dgm:cxn modelId="{7DFA2987-0DE2-4CAB-80E5-740DD3366576}" srcId="{DFDB9E43-E6A9-442E-8204-B967D1448249}" destId="{D63596B2-7F1A-459D-94BD-B655C750C456}" srcOrd="0" destOrd="0" parTransId="{521977D6-56EA-4E4E-A226-741DD61172D8}" sibTransId="{867185AD-A297-497B-B440-51FCDF61F42B}"/>
+    <dgm:cxn modelId="{378B05B7-4A02-4D3B-894E-2F7508BA4211}" type="presOf" srcId="{20908729-AF82-4B84-832B-EB4BF4056E16}" destId="{B15639DF-DBB0-49DF-B222-48BD809768F0}" srcOrd="0" destOrd="0" presId="urn:microsoft.com/office/officeart/2008/layout/AlternatingHexagons"/>
+    <dgm:cxn modelId="{0A108005-CDD9-4170-9389-654E13487804}" type="presOf" srcId="{7265FBA1-C7C6-42F1-BB80-AE22CB936032}" destId="{4B89A180-4C25-45B2-8398-277E7B016717}" srcOrd="0" destOrd="0" presId="urn:microsoft.com/office/officeart/2008/layout/AlternatingHexagons"/>
+    <dgm:cxn modelId="{DAF6BBCE-A88B-40F8-920A-B87E263EAF30}" srcId="{2AF6A4DA-209F-4E6A-8559-E15871977999}" destId="{20908729-AF82-4B84-832B-EB4BF4056E16}" srcOrd="2" destOrd="0" parTransId="{E9420812-969D-4F5B-A16E-F8A557BA5474}" sibTransId="{AA80C9A5-AA4B-4CC9-BC1F-E36E3C61A768}"/>
+    <dgm:cxn modelId="{D6DED3BF-ABC4-442C-BFAD-00FC76D7C44D}" srcId="{2AF6A4DA-209F-4E6A-8559-E15871977999}" destId="{8B61FF8F-312C-4FE7-AE79-889FFED002B0}" srcOrd="3" destOrd="0" parTransId="{472289D5-9079-41DC-A236-BBD09BC5BFFB}" sibTransId="{231F30A2-0778-418E-BB9A-48C2E03E7E5A}"/>
+    <dgm:cxn modelId="{90DC9834-6F22-40AE-97FB-86CCE8126554}" type="presOf" srcId="{9089CE66-7242-48A8-9948-E82A6761F215}" destId="{386C08A0-E6FA-4EE6-A46D-434F37295FAE}" srcOrd="0" destOrd="0" presId="urn:microsoft.com/office/officeart/2008/layout/AlternatingHexagons"/>
+    <dgm:cxn modelId="{6A71E4A3-B645-4411-977D-64F348F17870}" type="presOf" srcId="{D63596B2-7F1A-459D-94BD-B655C750C456}" destId="{046B2AB7-661B-4272-ABC8-7963BB4094AC}" srcOrd="0" destOrd="0" presId="urn:microsoft.com/office/officeart/2008/layout/AlternatingHexagons"/>
+    <dgm:cxn modelId="{6B234320-3C71-4F4E-9E39-EB79851EDC02}" srcId="{9089CE66-7242-48A8-9948-E82A6761F215}" destId="{467B5218-7DCE-4150-A016-502981EEF7D6}" srcOrd="0" destOrd="0" parTransId="{6AA1628A-D52E-49A7-A936-3E7CF8D73F06}" sibTransId="{81AC9041-455F-481A-BB2C-36187C2E5C91}"/>
     <dgm:cxn modelId="{43F3773F-4A04-43AA-8715-2F53939C2F25}" type="presOf" srcId="{AA80C9A5-AA4B-4CC9-BC1F-E36E3C61A768}" destId="{D941E3B5-77F2-414F-AE02-39661ADF85BC}" srcOrd="0" destOrd="0" presId="urn:microsoft.com/office/officeart/2008/layout/AlternatingHexagons"/>
-    <dgm:cxn modelId="{7DFA2987-0DE2-4CAB-80E5-740DD3366576}" srcId="{DFDB9E43-E6A9-442E-8204-B967D1448249}" destId="{D63596B2-7F1A-459D-94BD-B655C750C456}" srcOrd="0" destOrd="0" parTransId="{521977D6-56EA-4E4E-A226-741DD61172D8}" sibTransId="{867185AD-A297-497B-B440-51FCDF61F42B}"/>
-    <dgm:cxn modelId="{6A929B1A-F8F0-48EB-B44B-9787BC0A34BD}" type="presOf" srcId="{467B5218-7DCE-4150-A016-502981EEF7D6}" destId="{F9FCB212-0739-4959-9A63-B6CA8286CC18}" srcOrd="0" destOrd="0" presId="urn:microsoft.com/office/officeart/2008/layout/AlternatingHexagons"/>
-    <dgm:cxn modelId="{EC40D305-5E0A-4414-ADDB-498C976F748E}" type="presOf" srcId="{5FD9B19E-FA5E-4FEA-8B38-38632117864E}" destId="{2E169A30-83DF-4E71-A8D5-8EE83229781F}" srcOrd="0" destOrd="0" presId="urn:microsoft.com/office/officeart/2008/layout/AlternatingHexagons"/>
-    <dgm:cxn modelId="{D1AF8181-B89B-4F1A-BC39-8E0D6D21820B}" type="presOf" srcId="{DFDB9E43-E6A9-442E-8204-B967D1448249}" destId="{3FA1B23E-B752-484F-AAAD-E0F5B2F46296}" srcOrd="0" destOrd="0" presId="urn:microsoft.com/office/officeart/2008/layout/AlternatingHexagons"/>
-    <dgm:cxn modelId="{DAF6BBCE-A88B-40F8-920A-B87E263EAF30}" srcId="{2AF6A4DA-209F-4E6A-8559-E15871977999}" destId="{20908729-AF82-4B84-832B-EB4BF4056E16}" srcOrd="2" destOrd="0" parTransId="{E9420812-969D-4F5B-A16E-F8A557BA5474}" sibTransId="{AA80C9A5-AA4B-4CC9-BC1F-E36E3C61A768}"/>
-    <dgm:cxn modelId="{40BB99B0-C740-4927-B135-422712058D5C}" srcId="{2AF6A4DA-209F-4E6A-8559-E15871977999}" destId="{9089CE66-7242-48A8-9948-E82A6761F215}" srcOrd="0" destOrd="0" parTransId="{7576CE3B-B708-4B0C-95BF-FE360D15CC6F}" sibTransId="{7265FBA1-C7C6-42F1-BB80-AE22CB936032}"/>
-    <dgm:cxn modelId="{AFCEDE93-6BC1-4454-8F43-5D64D03607CA}" srcId="{2AF6A4DA-209F-4E6A-8559-E15871977999}" destId="{DFDB9E43-E6A9-442E-8204-B967D1448249}" srcOrd="1" destOrd="0" parTransId="{BF924CFC-B023-4DB1-B893-75AEEBC4AAD6}" sibTransId="{5FD9B19E-FA5E-4FEA-8B38-38632117864E}"/>
-    <dgm:cxn modelId="{378B05B7-4A02-4D3B-894E-2F7508BA4211}" type="presOf" srcId="{20908729-AF82-4B84-832B-EB4BF4056E16}" destId="{B15639DF-DBB0-49DF-B222-48BD809768F0}" srcOrd="0" destOrd="0" presId="urn:microsoft.com/office/officeart/2008/layout/AlternatingHexagons"/>
-    <dgm:cxn modelId="{6969AA95-7087-4B3B-95AC-D72E8A075489}" type="presOf" srcId="{03E8319D-D19D-4C90-A480-527766996150}" destId="{E0592DC3-92DC-49C8-A308-8C65CD3AADF2}" srcOrd="0" destOrd="0" presId="urn:microsoft.com/office/officeart/2008/layout/AlternatingHexagons"/>
-    <dgm:cxn modelId="{0A108005-CDD9-4170-9389-654E13487804}" type="presOf" srcId="{7265FBA1-C7C6-42F1-BB80-AE22CB936032}" destId="{4B89A180-4C25-45B2-8398-277E7B016717}" srcOrd="0" destOrd="0" presId="urn:microsoft.com/office/officeart/2008/layout/AlternatingHexagons"/>
-    <dgm:cxn modelId="{90DC9834-6F22-40AE-97FB-86CCE8126554}" type="presOf" srcId="{9089CE66-7242-48A8-9948-E82A6761F215}" destId="{386C08A0-E6FA-4EE6-A46D-434F37295FAE}" srcOrd="0" destOrd="0" presId="urn:microsoft.com/office/officeart/2008/layout/AlternatingHexagons"/>
-    <dgm:cxn modelId="{2888913A-F523-4ADF-9F0F-E8D2974390A8}" type="presOf" srcId="{2AF6A4DA-209F-4E6A-8559-E15871977999}" destId="{7403746D-334F-4608-A15D-23EC4298B256}" srcOrd="0" destOrd="0" presId="urn:microsoft.com/office/officeart/2008/layout/AlternatingHexagons"/>
-    <dgm:cxn modelId="{6B234320-3C71-4F4E-9E39-EB79851EDC02}" srcId="{9089CE66-7242-48A8-9948-E82A6761F215}" destId="{467B5218-7DCE-4150-A016-502981EEF7D6}" srcOrd="0" destOrd="0" parTransId="{6AA1628A-D52E-49A7-A936-3E7CF8D73F06}" sibTransId="{81AC9041-455F-481A-BB2C-36187C2E5C91}"/>
-    <dgm:cxn modelId="{6A71E4A3-B645-4411-977D-64F348F17870}" type="presOf" srcId="{D63596B2-7F1A-459D-94BD-B655C750C456}" destId="{046B2AB7-661B-4272-ABC8-7963BB4094AC}" srcOrd="0" destOrd="0" presId="urn:microsoft.com/office/officeart/2008/layout/AlternatingHexagons"/>
     <dgm:cxn modelId="{771599E3-D001-46E2-99C2-95F3DBCBB656}" srcId="{20908729-AF82-4B84-832B-EB4BF4056E16}" destId="{03E8319D-D19D-4C90-A480-527766996150}" srcOrd="0" destOrd="0" parTransId="{B1469765-4E16-4A04-9461-A089D4AEE9D1}" sibTransId="{9D20A114-8AFC-4AC6-92B7-5A73352AB28E}"/>
     <dgm:cxn modelId="{CAF89F92-9DFC-4BCB-B11E-4E938DBCC1CF}" type="presParOf" srcId="{7403746D-334F-4608-A15D-23EC4298B256}" destId="{B658B8D3-8CB2-4CE8-8030-952876D7ED3D}" srcOrd="0" destOrd="0" presId="urn:microsoft.com/office/officeart/2008/layout/AlternatingHexagons"/>
     <dgm:cxn modelId="{5A9EC309-0897-400F-89A8-445BF0B6819C}" type="presParOf" srcId="{B658B8D3-8CB2-4CE8-8030-952876D7ED3D}" destId="{386C08A0-E6FA-4EE6-A46D-434F37295FAE}" srcOrd="0" destOrd="0" presId="urn:microsoft.com/office/officeart/2008/layout/AlternatingHexagons"/>
@@ -1373,6 +1486,13 @@
     <dgm:cxn modelId="{833E6070-7AB1-477A-943E-140B3BCB49D1}" type="presParOf" srcId="{C871A654-1F61-4BAD-92E3-A1162F6A7D5F}" destId="{7B30A5FE-C5E4-41A2-89BD-52C1E9506A8D}" srcOrd="2" destOrd="0" presId="urn:microsoft.com/office/officeart/2008/layout/AlternatingHexagons"/>
     <dgm:cxn modelId="{069E2B1A-00F2-4510-9AC5-B2A151ABACD0}" type="presParOf" srcId="{C871A654-1F61-4BAD-92E3-A1162F6A7D5F}" destId="{C17A2B0B-1B12-4CF7-8E4F-01F3F71E3F24}" srcOrd="3" destOrd="0" presId="urn:microsoft.com/office/officeart/2008/layout/AlternatingHexagons"/>
     <dgm:cxn modelId="{904E70AB-37A2-4E3C-A77C-6069A8CEE013}" type="presParOf" srcId="{C871A654-1F61-4BAD-92E3-A1162F6A7D5F}" destId="{D941E3B5-77F2-414F-AE02-39661ADF85BC}" srcOrd="4" destOrd="0" presId="urn:microsoft.com/office/officeart/2008/layout/AlternatingHexagons"/>
+    <dgm:cxn modelId="{ADF46079-8A79-42E2-B286-E93C4EA76414}" type="presParOf" srcId="{7403746D-334F-4608-A15D-23EC4298B256}" destId="{82F88474-101F-4659-BC0D-1AAA0BB28A43}" srcOrd="5" destOrd="0" presId="urn:microsoft.com/office/officeart/2008/layout/AlternatingHexagons"/>
+    <dgm:cxn modelId="{87885A40-097A-4BB7-824F-3BD70B58B0E4}" type="presParOf" srcId="{7403746D-334F-4608-A15D-23EC4298B256}" destId="{2492E226-6549-4B98-908C-8FEBA09C7BD3}" srcOrd="6" destOrd="0" presId="urn:microsoft.com/office/officeart/2008/layout/AlternatingHexagons"/>
+    <dgm:cxn modelId="{A6AC6D38-0255-44A0-BBC5-40789AAEAEC5}" type="presParOf" srcId="{2492E226-6549-4B98-908C-8FEBA09C7BD3}" destId="{6FADFD52-6210-4FFF-A864-9703BA8E7DF2}" srcOrd="0" destOrd="0" presId="urn:microsoft.com/office/officeart/2008/layout/AlternatingHexagons"/>
+    <dgm:cxn modelId="{EC5222DF-08C7-43E4-8EA1-B2E690499751}" type="presParOf" srcId="{2492E226-6549-4B98-908C-8FEBA09C7BD3}" destId="{65A0B4A1-2027-49A2-ABA0-4C1EBC25A372}" srcOrd="1" destOrd="0" presId="urn:microsoft.com/office/officeart/2008/layout/AlternatingHexagons"/>
+    <dgm:cxn modelId="{8E4A4BD0-3F78-4828-972B-58EECA28AD13}" type="presParOf" srcId="{2492E226-6549-4B98-908C-8FEBA09C7BD3}" destId="{BC7A3B24-A710-4CCB-A8E8-5B54BD2E6C61}" srcOrd="2" destOrd="0" presId="urn:microsoft.com/office/officeart/2008/layout/AlternatingHexagons"/>
+    <dgm:cxn modelId="{2E18D788-453A-400A-B0D8-F3E2505949D8}" type="presParOf" srcId="{2492E226-6549-4B98-908C-8FEBA09C7BD3}" destId="{45A27561-6F2B-4736-BF1E-C56E5B749401}" srcOrd="3" destOrd="0" presId="urn:microsoft.com/office/officeart/2008/layout/AlternatingHexagons"/>
+    <dgm:cxn modelId="{7EA681AE-A5DC-4C89-A050-1FDA40B8685D}" type="presParOf" srcId="{2492E226-6549-4B98-908C-8FEBA09C7BD3}" destId="{25076156-C805-440B-A0AD-E6B93735CA42}" srcOrd="4" destOrd="0" presId="urn:microsoft.com/office/officeart/2008/layout/AlternatingHexagons"/>
   </dgm:cxnLst>
   <dgm:bg/>
   <dgm:whole/>
@@ -1399,8 +1519,8 @@
       </dsp:nvSpPr>
       <dsp:spPr>
         <a:xfrm rot="5400000">
-          <a:off x="2191528" y="327852"/>
-          <a:ext cx="1439333" cy="1252220"/>
+          <a:off x="2207905" y="90364"/>
+          <a:ext cx="1380298" cy="1200859"/>
         </a:xfrm>
         <a:prstGeom prst="hexagon">
           <a:avLst>
@@ -1476,8 +1596,8 @@
         </a:p>
       </dsp:txBody>
       <dsp:txXfrm rot="-5400000">
-        <a:off x="2480222" y="458592"/>
-        <a:ext cx="861944" cy="990741"/>
+        <a:off x="2484758" y="215741"/>
+        <a:ext cx="826591" cy="950106"/>
       </dsp:txXfrm>
     </dsp:sp>
     <dsp:sp modelId="{F9FCB212-0739-4959-9A63-B6CA8286CC18}">
@@ -1487,8 +1607,8 @@
       </dsp:nvSpPr>
       <dsp:spPr>
         <a:xfrm>
-          <a:off x="3575304" y="522162"/>
-          <a:ext cx="1606296" cy="863600"/>
+          <a:off x="3534923" y="276704"/>
+          <a:ext cx="1540412" cy="828178"/>
         </a:xfrm>
         <a:prstGeom prst="rect">
           <a:avLst/>
@@ -1536,8 +1656,8 @@
         </a:p>
       </dsp:txBody>
       <dsp:txXfrm>
-        <a:off x="3575304" y="522162"/>
-        <a:ext cx="1606296" cy="863600"/>
+        <a:off x="3534923" y="276704"/>
+        <a:ext cx="1540412" cy="828178"/>
       </dsp:txXfrm>
     </dsp:sp>
     <dsp:sp modelId="{4B89A180-4C25-45B2-8398-277E7B016717}">
@@ -1547,8 +1667,8 @@
       </dsp:nvSpPr>
       <dsp:spPr>
         <a:xfrm rot="5400000">
-          <a:off x="839131" y="327852"/>
-          <a:ext cx="1439333" cy="1252220"/>
+          <a:off x="910977" y="90364"/>
+          <a:ext cx="1380298" cy="1200859"/>
         </a:xfrm>
         <a:prstGeom prst="hexagon">
           <a:avLst>
@@ -1617,8 +1737,8 @@
         </a:p>
       </dsp:txBody>
       <dsp:txXfrm rot="-5400000">
-        <a:off x="1127825" y="458592"/>
-        <a:ext cx="861944" cy="990741"/>
+        <a:off x="1187830" y="215741"/>
+        <a:ext cx="826591" cy="950106"/>
       </dsp:txXfrm>
     </dsp:sp>
     <dsp:sp modelId="{3FA1B23E-B752-484F-AAAD-E0F5B2F46296}">
@@ -1628,8 +1748,8 @@
       </dsp:nvSpPr>
       <dsp:spPr>
         <a:xfrm rot="5400000">
-          <a:off x="1512739" y="1549558"/>
-          <a:ext cx="1439333" cy="1252220"/>
+          <a:off x="1556956" y="1261961"/>
+          <a:ext cx="1380298" cy="1200859"/>
         </a:xfrm>
         <a:prstGeom prst="hexagon">
           <a:avLst>
@@ -1693,8 +1813,8 @@
         </a:p>
       </dsp:txBody>
       <dsp:txXfrm rot="-5400000">
-        <a:off x="1801433" y="1680298"/>
-        <a:ext cx="861944" cy="990741"/>
+        <a:off x="1833809" y="1387338"/>
+        <a:ext cx="826591" cy="950106"/>
       </dsp:txXfrm>
     </dsp:sp>
     <dsp:sp modelId="{046B2AB7-661B-4272-ABC8-7963BB4094AC}">
@@ -1704,8 +1824,8 @@
       </dsp:nvSpPr>
       <dsp:spPr>
         <a:xfrm>
-          <a:off x="235635" y="1743868"/>
-          <a:ext cx="1083208" cy="863600"/>
+          <a:off x="332234" y="1448301"/>
+          <a:ext cx="1038779" cy="828178"/>
         </a:xfrm>
         <a:prstGeom prst="rect">
           <a:avLst/>
@@ -1753,8 +1873,8 @@
         </a:p>
       </dsp:txBody>
       <dsp:txXfrm>
-        <a:off x="235635" y="1743868"/>
-        <a:ext cx="1083208" cy="863600"/>
+        <a:off x="332234" y="1448301"/>
+        <a:ext cx="1038779" cy="828178"/>
       </dsp:txXfrm>
     </dsp:sp>
     <dsp:sp modelId="{2E169A30-83DF-4E71-A8D5-8EE83229781F}">
@@ -1764,8 +1884,8 @@
       </dsp:nvSpPr>
       <dsp:spPr>
         <a:xfrm rot="5400000">
-          <a:off x="2865136" y="1549558"/>
-          <a:ext cx="1439333" cy="1252220"/>
+          <a:off x="2853884" y="1261961"/>
+          <a:ext cx="1380298" cy="1200859"/>
         </a:xfrm>
         <a:prstGeom prst="hexagon">
           <a:avLst>
@@ -1834,8 +1954,8 @@
         </a:p>
       </dsp:txBody>
       <dsp:txXfrm rot="-5400000">
-        <a:off x="3153830" y="1680298"/>
-        <a:ext cx="861944" cy="990741"/>
+        <a:off x="3130737" y="1387338"/>
+        <a:ext cx="826591" cy="950106"/>
       </dsp:txXfrm>
     </dsp:sp>
     <dsp:sp modelId="{B15639DF-DBB0-49DF-B222-48BD809768F0}">
@@ -1845,8 +1965,8 @@
       </dsp:nvSpPr>
       <dsp:spPr>
         <a:xfrm rot="5400000">
-          <a:off x="2191528" y="2771265"/>
-          <a:ext cx="1439333" cy="1252220"/>
+          <a:off x="2207905" y="2433558"/>
+          <a:ext cx="1380298" cy="1200859"/>
         </a:xfrm>
         <a:prstGeom prst="hexagon">
           <a:avLst>
@@ -1915,8 +2035,8 @@
         </a:p>
       </dsp:txBody>
       <dsp:txXfrm rot="-5400000">
-        <a:off x="2480222" y="2902005"/>
-        <a:ext cx="861944" cy="990741"/>
+        <a:off x="2484758" y="2558935"/>
+        <a:ext cx="826591" cy="950106"/>
       </dsp:txXfrm>
     </dsp:sp>
     <dsp:sp modelId="{E0592DC3-92DC-49C8-A308-8C65CD3AADF2}">
@@ -1926,8 +2046,8 @@
       </dsp:nvSpPr>
       <dsp:spPr>
         <a:xfrm>
-          <a:off x="3575304" y="2965575"/>
-          <a:ext cx="1606296" cy="863600"/>
+          <a:off x="3534923" y="2619898"/>
+          <a:ext cx="1540412" cy="828178"/>
         </a:xfrm>
         <a:prstGeom prst="rect">
           <a:avLst/>
@@ -1975,8 +2095,8 @@
         </a:p>
       </dsp:txBody>
       <dsp:txXfrm>
-        <a:off x="3575304" y="2965575"/>
-        <a:ext cx="1606296" cy="863600"/>
+        <a:off x="3534923" y="2619898"/>
+        <a:ext cx="1540412" cy="828178"/>
       </dsp:txXfrm>
     </dsp:sp>
     <dsp:sp modelId="{D941E3B5-77F2-414F-AE02-39661ADF85BC}">
@@ -1986,8 +2106,8 @@
       </dsp:nvSpPr>
       <dsp:spPr>
         <a:xfrm rot="5400000">
-          <a:off x="839131" y="2771265"/>
-          <a:ext cx="1439333" cy="1252220"/>
+          <a:off x="910977" y="2433558"/>
+          <a:ext cx="1380298" cy="1200859"/>
         </a:xfrm>
         <a:prstGeom prst="hexagon">
           <a:avLst>
@@ -2056,8 +2176,207 @@
         </a:p>
       </dsp:txBody>
       <dsp:txXfrm rot="-5400000">
-        <a:off x="1127825" y="2902005"/>
-        <a:ext cx="861944" cy="990741"/>
+        <a:off x="1187830" y="2558935"/>
+        <a:ext cx="826591" cy="950106"/>
+      </dsp:txXfrm>
+    </dsp:sp>
+    <dsp:sp modelId="{6FADFD52-6210-4FFF-A864-9703BA8E7DF2}">
+      <dsp:nvSpPr>
+        <dsp:cNvPr id="0" name=""/>
+        <dsp:cNvSpPr/>
+      </dsp:nvSpPr>
+      <dsp:spPr>
+        <a:xfrm rot="5400000">
+          <a:off x="1556956" y="3605155"/>
+          <a:ext cx="1380298" cy="1200859"/>
+        </a:xfrm>
+        <a:prstGeom prst="hexagon">
+          <a:avLst>
+            <a:gd name="adj" fmla="val 25000"/>
+            <a:gd name="vf" fmla="val 115470"/>
+          </a:avLst>
+        </a:prstGeom>
+        <a:solidFill>
+          <a:schemeClr val="accent1">
+            <a:hueOff val="0"/>
+            <a:satOff val="0"/>
+            <a:lumOff val="0"/>
+            <a:alphaOff val="0"/>
+          </a:schemeClr>
+        </a:solidFill>
+        <a:ln w="12700" cap="flat" cmpd="sng" algn="ctr">
+          <a:solidFill>
+            <a:schemeClr val="lt1">
+              <a:hueOff val="0"/>
+              <a:satOff val="0"/>
+              <a:lumOff val="0"/>
+              <a:alphaOff val="0"/>
+            </a:schemeClr>
+          </a:solidFill>
+          <a:prstDash val="solid"/>
+          <a:miter lim="800000"/>
+        </a:ln>
+        <a:effectLst/>
+      </dsp:spPr>
+      <dsp:style>
+        <a:lnRef idx="2">
+          <a:scrgbClr r="0" g="0" b="0"/>
+        </a:lnRef>
+        <a:fillRef idx="1">
+          <a:scrgbClr r="0" g="0" b="0"/>
+        </a:fillRef>
+        <a:effectRef idx="0">
+          <a:scrgbClr r="0" g="0" b="0"/>
+        </a:effectRef>
+        <a:fontRef idx="minor">
+          <a:schemeClr val="lt1"/>
+        </a:fontRef>
+      </dsp:style>
+      <dsp:txBody>
+        <a:bodyPr spcFirstLastPara="0" vert="horz" wrap="square" lIns="83820" tIns="83820" rIns="83820" bIns="83820" numCol="1" spcCol="1270" anchor="ctr" anchorCtr="0">
+          <a:noAutofit/>
+        </a:bodyPr>
+        <a:lstStyle/>
+        <a:p>
+          <a:pPr lvl="0" algn="ctr" defTabSz="977900">
+            <a:lnSpc>
+              <a:spcPct val="90000"/>
+            </a:lnSpc>
+            <a:spcBef>
+              <a:spcPct val="0"/>
+            </a:spcBef>
+            <a:spcAft>
+              <a:spcPct val="35000"/>
+            </a:spcAft>
+          </a:pPr>
+          <a:r>
+            <a:rPr lang="de-DE" sz="2200" kern="1200" dirty="0" smtClean="0"/>
+            <a:t>.</a:t>
+          </a:r>
+          <a:r>
+            <a:rPr lang="de-DE" sz="2200" kern="1200" dirty="0" smtClean="0"/>
+            <a:t>1Qca</a:t>
+          </a:r>
+          <a:endParaRPr lang="en-US" sz="2200" kern="1200" dirty="0"/>
+        </a:p>
+      </dsp:txBody>
+      <dsp:txXfrm rot="-5400000">
+        <a:off x="1833809" y="3730532"/>
+        <a:ext cx="826591" cy="950106"/>
+      </dsp:txXfrm>
+    </dsp:sp>
+    <dsp:sp modelId="{65A0B4A1-2027-49A2-ABA0-4C1EBC25A372}">
+      <dsp:nvSpPr>
+        <dsp:cNvPr id="0" name=""/>
+        <dsp:cNvSpPr/>
+      </dsp:nvSpPr>
+      <dsp:spPr>
+        <a:xfrm>
+          <a:off x="106263" y="3791495"/>
+          <a:ext cx="1490722" cy="828178"/>
+        </a:xfrm>
+        <a:prstGeom prst="rect">
+          <a:avLst/>
+        </a:prstGeom>
+        <a:noFill/>
+        <a:ln>
+          <a:noFill/>
+        </a:ln>
+        <a:effectLst/>
+      </dsp:spPr>
+      <dsp:style>
+        <a:lnRef idx="0">
+          <a:scrgbClr r="0" g="0" b="0"/>
+        </a:lnRef>
+        <a:fillRef idx="0">
+          <a:scrgbClr r="0" g="0" b="0"/>
+        </a:fillRef>
+        <a:effectRef idx="0">
+          <a:scrgbClr r="0" g="0" b="0"/>
+        </a:effectRef>
+        <a:fontRef idx="minor"/>
+      </dsp:style>
+    </dsp:sp>
+    <dsp:sp modelId="{25076156-C805-440B-A0AD-E6B93735CA42}">
+      <dsp:nvSpPr>
+        <dsp:cNvPr id="0" name=""/>
+        <dsp:cNvSpPr/>
+      </dsp:nvSpPr>
+      <dsp:spPr>
+        <a:xfrm rot="5400000">
+          <a:off x="2853884" y="3605155"/>
+          <a:ext cx="1380298" cy="1200859"/>
+        </a:xfrm>
+        <a:prstGeom prst="hexagon">
+          <a:avLst>
+            <a:gd name="adj" fmla="val 25000"/>
+            <a:gd name="vf" fmla="val 115470"/>
+          </a:avLst>
+        </a:prstGeom>
+        <a:noFill/>
+        <a:ln w="12700" cap="flat" cmpd="sng" algn="ctr">
+          <a:solidFill>
+            <a:schemeClr val="lt1">
+              <a:hueOff val="0"/>
+              <a:satOff val="0"/>
+              <a:lumOff val="0"/>
+              <a:alphaOff val="0"/>
+            </a:schemeClr>
+          </a:solidFill>
+          <a:prstDash val="solid"/>
+          <a:miter lim="800000"/>
+        </a:ln>
+        <a:effectLst/>
+      </dsp:spPr>
+      <dsp:style>
+        <a:lnRef idx="2">
+          <a:scrgbClr r="0" g="0" b="0"/>
+        </a:lnRef>
+        <a:fillRef idx="1">
+          <a:scrgbClr r="0" g="0" b="0"/>
+        </a:fillRef>
+        <a:effectRef idx="0">
+          <a:scrgbClr r="0" g="0" b="0"/>
+        </a:effectRef>
+        <a:fontRef idx="minor">
+          <a:schemeClr val="lt1"/>
+        </a:fontRef>
+      </dsp:style>
+      <dsp:txBody>
+        <a:bodyPr spcFirstLastPara="0" vert="horz" wrap="square" lIns="0" tIns="0" rIns="0" bIns="0" numCol="1" spcCol="1270" anchor="ctr" anchorCtr="0">
+          <a:noAutofit/>
+        </a:bodyPr>
+        <a:lstStyle/>
+        <a:p>
+          <a:pPr lvl="0" algn="ctr" defTabSz="977900">
+            <a:lnSpc>
+              <a:spcPct val="90000"/>
+            </a:lnSpc>
+            <a:spcBef>
+              <a:spcPct val="0"/>
+            </a:spcBef>
+            <a:spcAft>
+              <a:spcPct val="35000"/>
+            </a:spcAft>
+          </a:pPr>
+          <a:r>
+            <a:rPr lang="de-DE" sz="2200" kern="1200" dirty="0" smtClean="0">
+              <a:solidFill>
+                <a:schemeClr val="tx1"/>
+              </a:solidFill>
+            </a:rPr>
+            <a:t>.1Qdj</a:t>
+          </a:r>
+          <a:endParaRPr lang="en-US" sz="2200" kern="1200" dirty="0">
+            <a:solidFill>
+              <a:schemeClr val="tx1"/>
+            </a:solidFill>
+          </a:endParaRPr>
+        </a:p>
+      </dsp:txBody>
+      <dsp:txXfrm rot="-5400000">
+        <a:off x="3130737" y="3730532"/>
+        <a:ext cx="826591" cy="950106"/>
       </dsp:txXfrm>
     </dsp:sp>
   </dsp:spTree>
@@ -7606,7 +7925,6 @@
               <a:rPr lang="en-US" dirty="0" smtClean="0"/>
               <a:t>Form method field is open set (parameter passed to Binding)</a:t>
             </a:r>
-            <a:endParaRPr lang="en-US" dirty="0" smtClean="0"/>
           </a:p>
         </p:txBody>
       </p:sp>
@@ -7890,9 +8208,6 @@
               </a:rPr>
               <a:t>Action?</a:t>
             </a:r>
-            <a:endParaRPr lang="en-US" dirty="0" smtClean="0">
-              <a:sym typeface="Wingdings" panose="05000000000000000000" pitchFamily="2" charset="2"/>
-            </a:endParaRPr>
           </a:p>
         </p:txBody>
       </p:sp>
@@ -25121,7 +25436,6 @@
               <a:rPr lang="en-US" dirty="0" smtClean="0"/>
               <a:t>Receive offset (jitter)</a:t>
             </a:r>
-            <a:endParaRPr lang="en-US" dirty="0" smtClean="0"/>
           </a:p>
         </p:txBody>
       </p:sp>
@@ -26788,7 +27102,7 @@
           <a:p>
             <a:r>
               <a:rPr lang="de-DE" dirty="0" smtClean="0"/>
-              <a:t>Conclusions</a:t>
+              <a:t>Related Work</a:t>
             </a:r>
             <a:endParaRPr lang="en-US" dirty="0"/>
           </a:p>
@@ -26796,121 +27110,158 @@
       </p:sp>
       <p:sp>
         <p:nvSpPr>
-          <p:cNvPr id="3" name="Content Placeholder 2"/>
+          <p:cNvPr id="9" name="Content Placeholder 8"/>
           <p:cNvSpPr>
             <a:spLocks noGrp="1"/>
           </p:cNvSpPr>
           <p:nvPr>
-            <p:ph idx="1"/>
+            <p:ph sz="half" idx="1"/>
           </p:nvPr>
         </p:nvSpPr>
-        <p:spPr>
-          <a:xfrm>
-            <a:off x="838200" y="1825624"/>
-            <a:ext cx="10515600" cy="4795309"/>
-          </a:xfrm>
-        </p:spPr>
+        <p:spPr/>
         <p:txBody>
           <a:bodyPr>
-            <a:normAutofit lnSpcReduction="10000"/>
+            <a:normAutofit fontScale="92500"/>
           </a:bodyPr>
           <a:lstStyle/>
           <a:p>
             <a:r>
-              <a:rPr lang="en-US" dirty="0" smtClean="0"/>
-              <a:t>TSN converges </a:t>
-            </a:r>
-            <a:r>
-              <a:rPr lang="en-US" dirty="0" err="1" smtClean="0"/>
-              <a:t>IIoT</a:t>
-            </a:r>
-            <a:r>
-              <a:rPr lang="en-US" dirty="0" smtClean="0"/>
-              <a:t> connectivity (wired, which are 94% of fieldbuses)</a:t>
+              <a:rPr lang="de-DE" dirty="0" smtClean="0"/>
+              <a:t>QoS information in TDs</a:t>
+            </a:r>
+            <a:br>
+              <a:rPr lang="de-DE" dirty="0" smtClean="0"/>
+            </a:br>
+            <a:r>
+              <a:rPr lang="de-DE" dirty="0" smtClean="0"/>
+              <a:t>just one way to do it</a:t>
             </a:r>
           </a:p>
           <a:p>
             <a:pPr lvl="1"/>
             <a:r>
-              <a:rPr lang="en-US" dirty="0" smtClean="0"/>
-              <a:t>Application </a:t>
-            </a:r>
-            <a:r>
-              <a:rPr lang="en-US" dirty="0" err="1" smtClean="0"/>
-              <a:t>QoS</a:t>
-            </a:r>
-            <a:r>
-              <a:rPr lang="en-US" dirty="0" smtClean="0"/>
-              <a:t> requests have to be converted into TSN configuration</a:t>
+              <a:rPr lang="de-DE" dirty="0" smtClean="0"/>
+              <a:t>Builds on cross-application capabilties of W3C WoT</a:t>
             </a:r>
           </a:p>
           <a:p>
             <a:pPr lvl="1"/>
             <a:r>
-              <a:rPr lang="en-US" dirty="0" smtClean="0"/>
-              <a:t>TSN for WLAN and TSN abstractions for 5G under development</a:t>
-            </a:r>
-          </a:p>
-          <a:p>
-            <a:endParaRPr lang="en-US" dirty="0" smtClean="0"/>
-          </a:p>
-          <a:p>
-            <a:r>
-              <a:rPr lang="en-US" dirty="0" smtClean="0"/>
-              <a:t>TDs can semantically model </a:t>
-            </a:r>
-            <a:r>
-              <a:rPr lang="en-US" dirty="0" err="1" smtClean="0"/>
-              <a:t>QoS</a:t>
-            </a:r>
-            <a:r>
-              <a:rPr lang="en-US" dirty="0" smtClean="0"/>
-              <a:t> requirements and capabilities</a:t>
+              <a:rPr lang="de-DE" dirty="0" smtClean="0"/>
+              <a:t>TSN configuration not only</a:t>
+            </a:r>
+            <a:br>
+              <a:rPr lang="de-DE" dirty="0" smtClean="0"/>
+            </a:br>
+            <a:r>
+              <a:rPr lang="de-DE" dirty="0" smtClean="0"/>
+              <a:t>for OPC UA FLC</a:t>
             </a:r>
           </a:p>
           <a:p>
             <a:pPr lvl="1"/>
             <a:r>
-              <a:rPr lang="en-US" dirty="0" smtClean="0"/>
-              <a:t>Initial proposal and proof of concept in upcoming paper</a:t>
+              <a:rPr lang="de-DE" dirty="0" smtClean="0"/>
+              <a:t>TSN is for a converged network</a:t>
             </a:r>
           </a:p>
           <a:p>
             <a:pPr lvl="1"/>
             <a:r>
-              <a:rPr lang="en-US" dirty="0" smtClean="0"/>
-              <a:t>Need also a description mechanism for apps</a:t>
-            </a:r>
-            <a:endParaRPr lang="en-US" dirty="0" smtClean="0"/>
-          </a:p>
-          <a:p>
-            <a:endParaRPr lang="en-US" dirty="0" smtClean="0"/>
-          </a:p>
-          <a:p>
-            <a:r>
-              <a:rPr lang="en-US" dirty="0" smtClean="0"/>
-              <a:t>Many design choices for W3C WoT Bindings</a:t>
-            </a:r>
-          </a:p>
-          <a:p>
-            <a:pPr lvl="1"/>
-            <a:r>
-              <a:rPr lang="en-US" dirty="0" smtClean="0"/>
-              <a:t>Many trade-offs for complex/traditional ecosystem standards</a:t>
-            </a:r>
-          </a:p>
-          <a:p>
-            <a:pPr lvl="1"/>
-            <a:r>
-              <a:rPr lang="en-US" dirty="0" smtClean="0"/>
-              <a:t>Upcoming paper will give guidance based on OPC UA and NETCONF</a:t>
-            </a:r>
+              <a:rPr lang="de-DE" dirty="0" smtClean="0"/>
+              <a:t>Other applications are also expected to provide QoS requests</a:t>
+            </a:r>
+          </a:p>
+          <a:p>
+            <a:r>
+              <a:rPr lang="de-DE" dirty="0" smtClean="0"/>
+              <a:t>CUC became part of mashup app</a:t>
+            </a:r>
+          </a:p>
+          <a:p>
+            <a:r>
+              <a:rPr lang="de-DE" dirty="0" smtClean="0"/>
+              <a:t>CNC implemented as app + Binding</a:t>
+            </a:r>
+            <a:endParaRPr lang="en-US" dirty="0"/>
           </a:p>
         </p:txBody>
       </p:sp>
       <p:sp>
         <p:nvSpPr>
-          <p:cNvPr id="4" name="Slide Number Placeholder 3"/>
+          <p:cNvPr id="10" name="Content Placeholder 9"/>
+          <p:cNvSpPr>
+            <a:spLocks noGrp="1"/>
+          </p:cNvSpPr>
+          <p:nvPr>
+            <p:ph sz="half" idx="2"/>
+          </p:nvPr>
+        </p:nvSpPr>
+        <p:spPr/>
+        <p:txBody>
+          <a:bodyPr>
+            <a:normAutofit fontScale="92500"/>
+          </a:bodyPr>
+          <a:lstStyle/>
+          <a:p>
+            <a:r>
+              <a:rPr lang="de-DE" dirty="0"/>
+              <a:t>IEEE </a:t>
+            </a:r>
+            <a:r>
+              <a:rPr lang="de-DE" dirty="0" smtClean="0"/>
+              <a:t>802.1Qcc has abstract concept of CUC and CNC</a:t>
+            </a:r>
+          </a:p>
+          <a:p>
+            <a:pPr lvl="1"/>
+            <a:r>
+              <a:rPr lang="de-DE" dirty="0" smtClean="0"/>
+              <a:t>Application protocol to communicate QoS request to CUC</a:t>
+            </a:r>
+          </a:p>
+          <a:p>
+            <a:pPr lvl="1"/>
+            <a:r>
+              <a:rPr lang="de-DE" dirty="0" smtClean="0"/>
+              <a:t>CUC informs CNC through standard interface (t.b.d. in .1Qdj)</a:t>
+            </a:r>
+          </a:p>
+          <a:p>
+            <a:pPr lvl="1"/>
+            <a:r>
+              <a:rPr lang="de-DE" dirty="0" smtClean="0"/>
+              <a:t>CNC rolls out TSN configuration using NETCONF / YANG</a:t>
+            </a:r>
+            <a:endParaRPr lang="en-US" dirty="0"/>
+          </a:p>
+          <a:p>
+            <a:r>
+              <a:rPr lang="de-DE" dirty="0" smtClean="0"/>
+              <a:t>OPC UA TSN Sub-group proposes </a:t>
+            </a:r>
+            <a:r>
+              <a:rPr lang="en-US" dirty="0" err="1" smtClean="0"/>
+              <a:t>PubSub</a:t>
+            </a:r>
+            <a:r>
+              <a:rPr lang="en-US" dirty="0" smtClean="0"/>
+              <a:t> </a:t>
+            </a:r>
+            <a:r>
+              <a:rPr lang="en-US" dirty="0"/>
+              <a:t>TSN Centralized </a:t>
+            </a:r>
+            <a:r>
+              <a:rPr lang="en-US" dirty="0" smtClean="0"/>
+              <a:t>Configuration (PTCC)</a:t>
+            </a:r>
+          </a:p>
+        </p:txBody>
+      </p:sp>
+      <p:sp>
+        <p:nvSpPr>
+          <p:cNvPr id="7" name="Slide Number Placeholder 6"/>
           <p:cNvSpPr>
             <a:spLocks noGrp="1"/>
           </p:cNvSpPr>
@@ -26934,7 +27285,7 @@
     </p:spTree>
     <p:extLst>
       <p:ext uri="{BB962C8B-B14F-4D97-AF65-F5344CB8AC3E}">
-        <p14:creationId xmlns:p14="http://schemas.microsoft.com/office/powerpoint/2010/main" val="4133682627"/>
+        <p14:creationId xmlns:p14="http://schemas.microsoft.com/office/powerpoint/2010/main" val="751263014"/>
       </p:ext>
     </p:extLst>
   </p:cSld>
@@ -26985,6 +27336,202 @@
           <a:p>
             <a:r>
               <a:rPr lang="de-DE" dirty="0" smtClean="0"/>
+              <a:t>Conclusions</a:t>
+            </a:r>
+            <a:endParaRPr lang="en-US" dirty="0"/>
+          </a:p>
+        </p:txBody>
+      </p:sp>
+      <p:sp>
+        <p:nvSpPr>
+          <p:cNvPr id="3" name="Content Placeholder 2"/>
+          <p:cNvSpPr>
+            <a:spLocks noGrp="1"/>
+          </p:cNvSpPr>
+          <p:nvPr>
+            <p:ph idx="1"/>
+          </p:nvPr>
+        </p:nvSpPr>
+        <p:spPr>
+          <a:xfrm>
+            <a:off x="838200" y="1825624"/>
+            <a:ext cx="10515600" cy="4795309"/>
+          </a:xfrm>
+        </p:spPr>
+        <p:txBody>
+          <a:bodyPr>
+            <a:normAutofit lnSpcReduction="10000"/>
+          </a:bodyPr>
+          <a:lstStyle/>
+          <a:p>
+            <a:r>
+              <a:rPr lang="en-US" dirty="0" smtClean="0"/>
+              <a:t>TSN converges </a:t>
+            </a:r>
+            <a:r>
+              <a:rPr lang="en-US" dirty="0" err="1" smtClean="0"/>
+              <a:t>IIoT</a:t>
+            </a:r>
+            <a:r>
+              <a:rPr lang="en-US" dirty="0" smtClean="0"/>
+              <a:t> connectivity (wired, which are 94% of fieldbuses)</a:t>
+            </a:r>
+          </a:p>
+          <a:p>
+            <a:pPr lvl="1"/>
+            <a:r>
+              <a:rPr lang="en-US" dirty="0" smtClean="0"/>
+              <a:t>Application </a:t>
+            </a:r>
+            <a:r>
+              <a:rPr lang="en-US" dirty="0" err="1" smtClean="0"/>
+              <a:t>QoS</a:t>
+            </a:r>
+            <a:r>
+              <a:rPr lang="en-US" dirty="0" smtClean="0"/>
+              <a:t> requests have to be converted into TSN configuration</a:t>
+            </a:r>
+          </a:p>
+          <a:p>
+            <a:pPr lvl="1"/>
+            <a:r>
+              <a:rPr lang="en-US" dirty="0" smtClean="0"/>
+              <a:t>TSN for WLAN and TSN abstractions for 5G under development</a:t>
+            </a:r>
+          </a:p>
+          <a:p>
+            <a:endParaRPr lang="en-US" dirty="0" smtClean="0"/>
+          </a:p>
+          <a:p>
+            <a:r>
+              <a:rPr lang="en-US" dirty="0" smtClean="0"/>
+              <a:t>TDs can semantically model </a:t>
+            </a:r>
+            <a:r>
+              <a:rPr lang="en-US" dirty="0" err="1" smtClean="0"/>
+              <a:t>QoS</a:t>
+            </a:r>
+            <a:r>
+              <a:rPr lang="en-US" dirty="0" smtClean="0"/>
+              <a:t> requirements and capabilities</a:t>
+            </a:r>
+          </a:p>
+          <a:p>
+            <a:pPr lvl="1"/>
+            <a:r>
+              <a:rPr lang="en-US" dirty="0" smtClean="0"/>
+              <a:t>Initial proposal and proof of concept in upcoming paper</a:t>
+            </a:r>
+          </a:p>
+          <a:p>
+            <a:pPr lvl="1"/>
+            <a:r>
+              <a:rPr lang="en-US" dirty="0" smtClean="0"/>
+              <a:t>Need also a description mechanism for apps</a:t>
+            </a:r>
+          </a:p>
+          <a:p>
+            <a:endParaRPr lang="en-US" dirty="0" smtClean="0"/>
+          </a:p>
+          <a:p>
+            <a:r>
+              <a:rPr lang="en-US" dirty="0" smtClean="0"/>
+              <a:t>Many design choices for W3C WoT Bindings</a:t>
+            </a:r>
+          </a:p>
+          <a:p>
+            <a:pPr lvl="1"/>
+            <a:r>
+              <a:rPr lang="en-US" dirty="0" smtClean="0"/>
+              <a:t>Many trade-offs for complex/traditional ecosystem standards</a:t>
+            </a:r>
+          </a:p>
+          <a:p>
+            <a:pPr lvl="1"/>
+            <a:r>
+              <a:rPr lang="en-US" dirty="0" smtClean="0"/>
+              <a:t>Upcoming paper will give guidance based on OPC UA and NETCONF</a:t>
+            </a:r>
+          </a:p>
+        </p:txBody>
+      </p:sp>
+      <p:sp>
+        <p:nvSpPr>
+          <p:cNvPr id="4" name="Slide Number Placeholder 3"/>
+          <p:cNvSpPr>
+            <a:spLocks noGrp="1"/>
+          </p:cNvSpPr>
+          <p:nvPr>
+            <p:ph type="sldNum" sz="quarter" idx="12"/>
+          </p:nvPr>
+        </p:nvSpPr>
+        <p:spPr/>
+        <p:txBody>
+          <a:bodyPr/>
+          <a:lstStyle/>
+          <a:p>
+            <a:fld id="{61039B78-D008-49A9-9EEE-FD5646976937}" type="slidenum">
+              <a:rPr lang="en-US" smtClean="0"/>
+              <a:t>17</a:t>
+            </a:fld>
+            <a:endParaRPr lang="en-US"/>
+          </a:p>
+        </p:txBody>
+      </p:sp>
+    </p:spTree>
+    <p:extLst>
+      <p:ext uri="{BB962C8B-B14F-4D97-AF65-F5344CB8AC3E}">
+        <p14:creationId xmlns:p14="http://schemas.microsoft.com/office/powerpoint/2010/main" val="4133682627"/>
+      </p:ext>
+    </p:extLst>
+  </p:cSld>
+  <p:clrMapOvr>
+    <a:masterClrMapping/>
+  </p:clrMapOvr>
+  <p:timing>
+    <p:tnLst>
+      <p:par>
+        <p:cTn id="1" dur="indefinite" restart="never" nodeType="tmRoot"/>
+      </p:par>
+    </p:tnLst>
+  </p:timing>
+</p:sld>
+</file>
+
+<file path=ppt/slides/slide18.xml><?xml version="1.0" encoding="utf-8"?>
+<p:sld xmlns:a="http://schemas.openxmlformats.org/drawingml/2006/main" xmlns:r="http://schemas.openxmlformats.org/officeDocument/2006/relationships" xmlns:p="http://schemas.openxmlformats.org/presentationml/2006/main">
+  <p:cSld>
+    <p:spTree>
+      <p:nvGrpSpPr>
+        <p:cNvPr id="1" name=""/>
+        <p:cNvGrpSpPr/>
+        <p:nvPr/>
+      </p:nvGrpSpPr>
+      <p:grpSpPr>
+        <a:xfrm>
+          <a:off x="0" y="0"/>
+          <a:ext cx="0" cy="0"/>
+          <a:chOff x="0" y="0"/>
+          <a:chExt cx="0" cy="0"/>
+        </a:xfrm>
+      </p:grpSpPr>
+      <p:sp>
+        <p:nvSpPr>
+          <p:cNvPr id="2" name="Title 1"/>
+          <p:cNvSpPr>
+            <a:spLocks noGrp="1"/>
+          </p:cNvSpPr>
+          <p:nvPr>
+            <p:ph type="title"/>
+          </p:nvPr>
+        </p:nvSpPr>
+        <p:spPr/>
+        <p:txBody>
+          <a:bodyPr/>
+          <a:lstStyle/>
+          <a:p>
+            <a:r>
+              <a:rPr lang="de-DE" dirty="0" smtClean="0"/>
               <a:t>Other Points</a:t>
             </a:r>
             <a:endParaRPr lang="en-US" dirty="0"/>
@@ -27110,7 +27657,6 @@
               <a:rPr lang="en-US" dirty="0" smtClean="0"/>
               <a:t>? Anyone working on this?</a:t>
             </a:r>
-            <a:endParaRPr lang="en-US" dirty="0" smtClean="0"/>
           </a:p>
         </p:txBody>
       </p:sp>
@@ -27131,7 +27677,7 @@
           <a:p>
             <a:fld id="{61039B78-D008-49A9-9EEE-FD5646976937}" type="slidenum">
               <a:rPr lang="en-US" smtClean="0"/>
-              <a:t>17</a:t>
+              <a:t>18</a:t>
             </a:fld>
             <a:endParaRPr lang="en-US"/>
           </a:p>
@@ -27157,7 +27703,7 @@
 </p:sld>
 </file>
 
-<file path=ppt/slides/slide18.xml><?xml version="1.0" encoding="utf-8"?>
+<file path=ppt/slides/slide19.xml><?xml version="1.0" encoding="utf-8"?>
 <p:sld xmlns:a="http://schemas.openxmlformats.org/drawingml/2006/main" xmlns:r="http://schemas.openxmlformats.org/officeDocument/2006/relationships" xmlns:p="http://schemas.openxmlformats.org/presentationml/2006/main">
   <p:cSld>
     <p:spTree>
@@ -27629,7 +28175,7 @@
           <p:cNvPr id="12" name="Picture 2">
             <a:extLst>
               <a:ext uri="{FF2B5EF4-FFF2-40B4-BE49-F238E27FC236}">
-                <a16:creationId xmlns="" xmlns:a16="http://schemas.microsoft.com/office/drawing/2014/main" id="{E8D400DF-6658-49BD-94E2-E2DD6F0DCD28}"/>
+                <a16:creationId xmlns:a16="http://schemas.microsoft.com/office/drawing/2014/main" xmlns="" id="{E8D400DF-6658-49BD-94E2-E2DD6F0DCD28}"/>
               </a:ext>
             </a:extLst>
           </p:cNvPr>
@@ -28067,29 +28613,8 @@
                   <a:srgbClr val="00B050"/>
                 </a:solidFill>
               </a:rPr>
-              <a:t>Information Model roughly similar </a:t>
-            </a:r>
-            <a:r>
-              <a:rPr lang="de-DE" sz="2200" dirty="0" smtClean="0">
-                <a:solidFill>
-                  <a:srgbClr val="00B050"/>
-                </a:solidFill>
-              </a:rPr>
-              <a:t>to the </a:t>
-            </a:r>
-            <a:r>
-              <a:rPr lang="de-DE" sz="2200" dirty="0" smtClean="0">
-                <a:solidFill>
-                  <a:srgbClr val="00B050"/>
-                </a:solidFill>
-              </a:rPr>
-              <a:t>Web</a:t>
-            </a:r>
-            <a:endParaRPr lang="de-DE" sz="2200" dirty="0" smtClean="0">
-              <a:solidFill>
-                <a:srgbClr val="00B050"/>
-              </a:solidFill>
-            </a:endParaRPr>
+              <a:t>Information Model roughly similar to the Web</a:t>
+            </a:r>
           </a:p>
           <a:p>
             <a:pPr>
@@ -28124,15 +28649,7 @@
                   <a:srgbClr val="00B050"/>
                 </a:solidFill>
               </a:rPr>
-              <a:t>Nodes </a:t>
-            </a:r>
-            <a:r>
-              <a:rPr lang="de-DE" sz="2200" dirty="0" smtClean="0">
-                <a:solidFill>
-                  <a:srgbClr val="00B050"/>
-                </a:solidFill>
-              </a:rPr>
-              <a:t>(~resources)</a:t>
+              <a:t>Nodes (~resources)</a:t>
             </a:r>
           </a:p>
           <a:p>
@@ -28300,11 +28817,7 @@
             </a:pPr>
             <a:r>
               <a:rPr lang="de-DE" sz="1800" dirty="0" smtClean="0"/>
-              <a:t>Various type </a:t>
-            </a:r>
-            <a:r>
-              <a:rPr lang="de-DE" sz="1800" dirty="0" smtClean="0"/>
-              <a:t>classes</a:t>
+              <a:t>Various type classes</a:t>
             </a:r>
           </a:p>
           <a:p>
@@ -28713,14 +29226,14 @@
             <p:ph sz="half" idx="1"/>
             <p:extLst>
               <p:ext uri="{D42A27DB-BD31-4B8C-83A1-F6EECF244321}">
-                <p14:modId xmlns:p14="http://schemas.microsoft.com/office/powerpoint/2010/main" val="331069824"/>
+                <p14:modId xmlns:p14="http://schemas.microsoft.com/office/powerpoint/2010/main" val="709334262"/>
               </p:ext>
             </p:extLst>
           </p:nvPr>
         </p:nvGraphicFramePr>
         <p:xfrm>
-          <a:off x="838200" y="1825625"/>
-          <a:ext cx="5181600" cy="4351338"/>
+          <a:off x="838200" y="1690688"/>
+          <a:ext cx="5181600" cy="4896379"/>
         </p:xfrm>
         <a:graphic>
           <a:graphicData uri="http://schemas.openxmlformats.org/drawingml/2006/diagram">
@@ -28809,133 +29322,6 @@
           </a:p>
         </p:txBody>
       </p:sp>
-      <p:grpSp>
-        <p:nvGrpSpPr>
-          <p:cNvPr id="6" name="Group 5"/>
-          <p:cNvGrpSpPr/>
-          <p:nvPr/>
-        </p:nvGrpSpPr>
-        <p:grpSpPr>
-          <a:xfrm>
-            <a:off x="2625852" y="5994400"/>
-            <a:ext cx="1606296" cy="863600"/>
-            <a:chOff x="3575304" y="2965575"/>
-            <a:chExt cx="1606296" cy="863600"/>
-          </a:xfrm>
-        </p:grpSpPr>
-        <p:sp>
-          <p:nvSpPr>
-            <p:cNvPr id="7" name="Rectangle 6"/>
-            <p:cNvSpPr/>
-            <p:nvPr/>
-          </p:nvSpPr>
-          <p:spPr>
-            <a:xfrm>
-              <a:off x="3575304" y="2965575"/>
-              <a:ext cx="1606296" cy="863600"/>
-            </a:xfrm>
-            <a:prstGeom prst="rect">
-              <a:avLst/>
-            </a:prstGeom>
-          </p:spPr>
-          <p:style>
-            <a:lnRef idx="0">
-              <a:schemeClr val="dk1">
-                <a:alpha val="0"/>
-                <a:hueOff val="0"/>
-                <a:satOff val="0"/>
-                <a:lumOff val="0"/>
-                <a:alphaOff val="0"/>
-              </a:schemeClr>
-            </a:lnRef>
-            <a:fillRef idx="0">
-              <a:schemeClr val="lt1">
-                <a:alpha val="0"/>
-                <a:hueOff val="0"/>
-                <a:satOff val="0"/>
-                <a:lumOff val="0"/>
-                <a:alphaOff val="0"/>
-              </a:schemeClr>
-            </a:fillRef>
-            <a:effectRef idx="0">
-              <a:schemeClr val="lt1">
-                <a:alpha val="0"/>
-                <a:hueOff val="0"/>
-                <a:satOff val="0"/>
-                <a:lumOff val="0"/>
-                <a:alphaOff val="0"/>
-              </a:schemeClr>
-            </a:effectRef>
-            <a:fontRef idx="minor">
-              <a:schemeClr val="tx1">
-                <a:hueOff val="0"/>
-                <a:satOff val="0"/>
-                <a:lumOff val="0"/>
-                <a:alphaOff val="0"/>
-              </a:schemeClr>
-            </a:fontRef>
-          </p:style>
-        </p:sp>
-        <p:sp>
-          <p:nvSpPr>
-            <p:cNvPr id="8" name="Rectangle 7"/>
-            <p:cNvSpPr/>
-            <p:nvPr/>
-          </p:nvSpPr>
-          <p:spPr>
-            <a:xfrm>
-              <a:off x="3575304" y="2965575"/>
-              <a:ext cx="1606296" cy="863600"/>
-            </a:xfrm>
-            <a:prstGeom prst="rect">
-              <a:avLst/>
-            </a:prstGeom>
-          </p:spPr>
-          <p:style>
-            <a:lnRef idx="0">
-              <a:scrgbClr r="0" g="0" b="0"/>
-            </a:lnRef>
-            <a:fillRef idx="0">
-              <a:scrgbClr r="0" g="0" b="0"/>
-            </a:fillRef>
-            <a:effectRef idx="0">
-              <a:scrgbClr r="0" g="0" b="0"/>
-            </a:effectRef>
-            <a:fontRef idx="minor">
-              <a:schemeClr val="tx1">
-                <a:hueOff val="0"/>
-                <a:satOff val="0"/>
-                <a:lumOff val="0"/>
-                <a:alphaOff val="0"/>
-              </a:schemeClr>
-            </a:fontRef>
-          </p:style>
-          <p:txBody>
-            <a:bodyPr spcFirstLastPara="0" vert="horz" wrap="square" lIns="83820" tIns="83820" rIns="83820" bIns="83820" numCol="1" spcCol="1270" anchor="ctr" anchorCtr="0">
-              <a:noAutofit/>
-            </a:bodyPr>
-            <a:lstStyle/>
-            <a:p>
-              <a:pPr lvl="0" algn="l" defTabSz="977900">
-                <a:lnSpc>
-                  <a:spcPct val="90000"/>
-                </a:lnSpc>
-                <a:spcBef>
-                  <a:spcPct val="0"/>
-                </a:spcBef>
-                <a:spcAft>
-                  <a:spcPct val="35000"/>
-                </a:spcAft>
-              </a:pPr>
-              <a:r>
-                <a:rPr lang="en-US" sz="2200" kern="1200" dirty="0" smtClean="0"/>
-                <a:t>.1Qca</a:t>
-              </a:r>
-              <a:endParaRPr lang="en-US" sz="2200" kern="1200" dirty="0"/>
-            </a:p>
-          </p:txBody>
-        </p:sp>
-      </p:grpSp>
       <p:sp>
         <p:nvSpPr>
           <p:cNvPr id="3" name="Slide Number Placeholder 2"/>
@@ -33816,7 +34202,6 @@
               <a:rPr lang="en-US" dirty="0" smtClean="0"/>
               <a:t>Network equipment mainly has NETCONF interfaces</a:t>
             </a:r>
-            <a:endParaRPr lang="en-US" dirty="0" smtClean="0"/>
           </a:p>
         </p:txBody>
       </p:sp>
